--- a/Paper Reading/____Writing/毕设/pre_3_19_朱正阳.pptx
+++ b/Paper Reading/____Writing/毕设/pre_3_19_朱正阳.pptx
@@ -283,7 +283,7 @@
           <a:p>
             <a:fld id="{BCFF252E-7ED6-4F0C-A1D3-844C969E9414}" type="datetimeFigureOut">
               <a:rPr lang="zh-CN" altLang="en-US" smtClean="0"/>
-              <a:t>2025/3/17</a:t>
+              <a:t>2025/3/19</a:t>
             </a:fld>
             <a:endParaRPr lang="zh-CN" altLang="en-US"/>
           </a:p>
@@ -460,7 +460,7 @@
           <a:p>
             <a:fld id="{71440A07-CB81-B94E-8486-6299C881C602}" type="datetimeFigureOut">
               <a:rPr kumimoji="1" lang="zh-CN" altLang="en-US" smtClean="0"/>
-              <a:t>2025/3/17</a:t>
+              <a:t>2025/3/19</a:t>
             </a:fld>
             <a:endParaRPr kumimoji="1" lang="zh-CN" altLang="en-US"/>
           </a:p>
@@ -3643,12 +3643,12 @@
   <p:clrMapOvr>
     <a:masterClrMapping/>
   </p:clrMapOvr>
-  <mc:AlternateContent xmlns:mc="http://schemas.openxmlformats.org/markup-compatibility/2006" xmlns:p14="http://schemas.microsoft.com/office/powerpoint/2010/main">
-    <mc:Choice Requires="p14">
-      <p:transition spd="slow" p14:dur="2000" advTm="7600"/>
+  <mc:AlternateContent xmlns:mc="http://schemas.openxmlformats.org/markup-compatibility/2006">
+    <mc:Choice xmlns:p14="http://schemas.microsoft.com/office/powerpoint/2010/main" Requires="p14">
+      <p:transition spd="slow" p14:dur="2000" advTm="2061"/>
     </mc:Choice>
-    <mc:Fallback xmlns="">
-      <p:transition spd="slow" advTm="7600"/>
+    <mc:Fallback>
+      <p:transition spd="slow" advTm="2061"/>
     </mc:Fallback>
   </mc:AlternateContent>
 </p:sld>
@@ -3900,12 +3900,12 @@
   <p:clrMapOvr>
     <a:masterClrMapping/>
   </p:clrMapOvr>
-  <mc:AlternateContent xmlns:mc="http://schemas.openxmlformats.org/markup-compatibility/2006" xmlns:p14="http://schemas.microsoft.com/office/powerpoint/2010/main">
-    <mc:Choice Requires="p14">
-      <p:transition spd="slow" p14:dur="2000" advTm="273"/>
+  <mc:AlternateContent xmlns:mc="http://schemas.openxmlformats.org/markup-compatibility/2006">
+    <mc:Choice xmlns:p14="http://schemas.microsoft.com/office/powerpoint/2010/main" Requires="p14">
+      <p:transition spd="slow" p14:dur="2000" advTm="890"/>
     </mc:Choice>
-    <mc:Fallback xmlns="">
-      <p:transition spd="slow" advTm="273"/>
+    <mc:Fallback>
+      <p:transition spd="slow" advTm="890"/>
     </mc:Fallback>
   </mc:AlternateContent>
 </p:sld>
@@ -4130,12 +4130,12 @@
   <p:clrMapOvr>
     <a:masterClrMapping/>
   </p:clrMapOvr>
-  <mc:AlternateContent xmlns:mc="http://schemas.openxmlformats.org/markup-compatibility/2006" xmlns:p14="http://schemas.microsoft.com/office/powerpoint/2010/main">
-    <mc:Choice Requires="p14">
-      <p:transition spd="slow" p14:dur="2000" advTm="3601"/>
+  <mc:AlternateContent xmlns:mc="http://schemas.openxmlformats.org/markup-compatibility/2006">
+    <mc:Choice xmlns:p14="http://schemas.microsoft.com/office/powerpoint/2010/main" Requires="p14">
+      <p:transition spd="slow" p14:dur="2000" advTm="469"/>
     </mc:Choice>
-    <mc:Fallback xmlns="">
-      <p:transition spd="slow" advTm="3601"/>
+    <mc:Fallback>
+      <p:transition spd="slow" advTm="469"/>
     </mc:Fallback>
   </mc:AlternateContent>
 </p:sld>
@@ -5445,6 +5445,14 @@
   <p:clrMapOvr>
     <a:masterClrMapping/>
   </p:clrMapOvr>
+  <mc:AlternateContent xmlns:mc="http://schemas.openxmlformats.org/markup-compatibility/2006">
+    <mc:Choice xmlns:p14="http://schemas.microsoft.com/office/powerpoint/2010/main" Requires="p14">
+      <p:transition spd="slow" p14:dur="2000" advTm="13915"/>
+    </mc:Choice>
+    <mc:Fallback>
+      <p:transition spd="slow" advTm="13915"/>
+    </mc:Fallback>
+  </mc:AlternateContent>
 </p:sld>
 </file>
 
@@ -5643,6 +5651,14 @@
   <p:clrMapOvr>
     <a:masterClrMapping/>
   </p:clrMapOvr>
+  <mc:AlternateContent xmlns:mc="http://schemas.openxmlformats.org/markup-compatibility/2006">
+    <mc:Choice xmlns:p14="http://schemas.microsoft.com/office/powerpoint/2010/main" Requires="p14">
+      <p:transition spd="slow" p14:dur="2000" advTm="22067"/>
+    </mc:Choice>
+    <mc:Fallback>
+      <p:transition spd="slow" advTm="22067"/>
+    </mc:Fallback>
+  </mc:AlternateContent>
 </p:sld>
 </file>
 
@@ -5984,12 +6000,12 @@
   <p:clrMapOvr>
     <a:masterClrMapping/>
   </p:clrMapOvr>
-  <mc:AlternateContent xmlns:mc="http://schemas.openxmlformats.org/markup-compatibility/2006" xmlns:p14="http://schemas.microsoft.com/office/powerpoint/2010/main">
-    <mc:Choice Requires="p14">
-      <p:transition spd="slow" p14:dur="2000" advTm="1754"/>
+  <mc:AlternateContent xmlns:mc="http://schemas.openxmlformats.org/markup-compatibility/2006">
+    <mc:Choice xmlns:p14="http://schemas.microsoft.com/office/powerpoint/2010/main" Requires="p14">
+      <p:transition spd="slow" p14:dur="2000" advTm="1724"/>
     </mc:Choice>
-    <mc:Fallback xmlns="">
-      <p:transition spd="slow" advTm="1754"/>
+    <mc:Fallback>
+      <p:transition spd="slow" advTm="1724"/>
     </mc:Fallback>
   </mc:AlternateContent>
 </p:sld>
@@ -6216,12 +6232,12 @@
   <p:clrMapOvr>
     <a:masterClrMapping/>
   </p:clrMapOvr>
-  <mc:AlternateContent xmlns:mc="http://schemas.openxmlformats.org/markup-compatibility/2006" xmlns:p14="http://schemas.microsoft.com/office/powerpoint/2010/main">
-    <mc:Choice Requires="p14">
-      <p:transition spd="slow" p14:dur="2000" advTm="1261"/>
+  <mc:AlternateContent xmlns:mc="http://schemas.openxmlformats.org/markup-compatibility/2006">
+    <mc:Choice xmlns:p14="http://schemas.microsoft.com/office/powerpoint/2010/main" Requires="p14">
+      <p:transition spd="slow" p14:dur="2000" advTm="7535"/>
     </mc:Choice>
-    <mc:Fallback xmlns="">
-      <p:transition spd="slow" advTm="1261"/>
+    <mc:Fallback>
+      <p:transition spd="slow" advTm="7535"/>
     </mc:Fallback>
   </mc:AlternateContent>
 </p:sld>
@@ -6508,12 +6524,12 @@
   <p:clrMapOvr>
     <a:masterClrMapping/>
   </p:clrMapOvr>
-  <mc:AlternateContent xmlns:mc="http://schemas.openxmlformats.org/markup-compatibility/2006" xmlns:p14="http://schemas.microsoft.com/office/powerpoint/2010/main">
-    <mc:Choice Requires="p14">
-      <p:transition spd="slow" p14:dur="2000" advTm="909"/>
+  <mc:AlternateContent xmlns:mc="http://schemas.openxmlformats.org/markup-compatibility/2006">
+    <mc:Choice xmlns:p14="http://schemas.microsoft.com/office/powerpoint/2010/main" Requires="p14">
+      <p:transition spd="slow" p14:dur="2000" advTm="749"/>
     </mc:Choice>
-    <mc:Fallback xmlns="">
-      <p:transition spd="slow" advTm="909"/>
+    <mc:Fallback>
+      <p:transition spd="slow" advTm="749"/>
     </mc:Fallback>
   </mc:AlternateContent>
 </p:sld>
@@ -6816,12 +6832,12 @@
   <p:clrMapOvr>
     <a:masterClrMapping/>
   </p:clrMapOvr>
-  <mc:AlternateContent xmlns:mc="http://schemas.openxmlformats.org/markup-compatibility/2006" xmlns:p14="http://schemas.microsoft.com/office/powerpoint/2010/main">
-    <mc:Choice Requires="p14">
-      <p:transition spd="slow" p14:dur="2000" advTm="461"/>
+  <mc:AlternateContent xmlns:mc="http://schemas.openxmlformats.org/markup-compatibility/2006">
+    <mc:Choice xmlns:p14="http://schemas.microsoft.com/office/powerpoint/2010/main" Requires="p14">
+      <p:transition spd="slow" p14:dur="2000" advTm="667"/>
     </mc:Choice>
-    <mc:Fallback xmlns="">
-      <p:transition spd="slow" advTm="461"/>
+    <mc:Fallback>
+      <p:transition spd="slow" advTm="667"/>
     </mc:Fallback>
   </mc:AlternateContent>
 </p:sld>
@@ -7007,12 +7023,12 @@
   <p:clrMapOvr>
     <a:masterClrMapping/>
   </p:clrMapOvr>
-  <mc:AlternateContent xmlns:mc="http://schemas.openxmlformats.org/markup-compatibility/2006" xmlns:p14="http://schemas.microsoft.com/office/powerpoint/2010/main">
-    <mc:Choice Requires="p14">
-      <p:transition spd="slow" p14:dur="2000" advTm="368"/>
+  <mc:AlternateContent xmlns:mc="http://schemas.openxmlformats.org/markup-compatibility/2006">
+    <mc:Choice xmlns:p14="http://schemas.microsoft.com/office/powerpoint/2010/main" Requires="p14">
+      <p:transition spd="slow" p14:dur="2000" advTm="16526"/>
     </mc:Choice>
-    <mc:Fallback xmlns="">
-      <p:transition spd="slow" advTm="368"/>
+    <mc:Fallback>
+      <p:transition spd="slow" advTm="16526"/>
     </mc:Fallback>
   </mc:AlternateContent>
 </p:sld>
@@ -7297,12 +7313,12 @@
   <p:clrMapOvr>
     <a:masterClrMapping/>
   </p:clrMapOvr>
-  <mc:AlternateContent xmlns:mc="http://schemas.openxmlformats.org/markup-compatibility/2006" xmlns:p14="http://schemas.microsoft.com/office/powerpoint/2010/main">
-    <mc:Choice Requires="p14">
-      <p:transition spd="slow" p14:dur="2000" advTm="335"/>
+  <mc:AlternateContent xmlns:mc="http://schemas.openxmlformats.org/markup-compatibility/2006">
+    <mc:Choice xmlns:p14="http://schemas.microsoft.com/office/powerpoint/2010/main" Requires="p14">
+      <p:transition spd="slow" p14:dur="2000" advTm="1045"/>
     </mc:Choice>
-    <mc:Fallback xmlns="">
-      <p:transition spd="slow" advTm="335"/>
+    <mc:Fallback>
+      <p:transition spd="slow" advTm="1045"/>
     </mc:Fallback>
   </mc:AlternateContent>
 </p:sld>
@@ -7479,12 +7495,12 @@
   <p:clrMapOvr>
     <a:masterClrMapping/>
   </p:clrMapOvr>
-  <mc:AlternateContent xmlns:mc="http://schemas.openxmlformats.org/markup-compatibility/2006" xmlns:p14="http://schemas.microsoft.com/office/powerpoint/2010/main">
-    <mc:Choice Requires="p14">
-      <p:transition spd="slow" p14:dur="2000" advTm="339"/>
+  <mc:AlternateContent xmlns:mc="http://schemas.openxmlformats.org/markup-compatibility/2006">
+    <mc:Choice xmlns:p14="http://schemas.microsoft.com/office/powerpoint/2010/main" Requires="p14">
+      <p:transition spd="slow" p14:dur="2000" advTm="70008"/>
     </mc:Choice>
-    <mc:Fallback xmlns="">
-      <p:transition spd="slow" advTm="339"/>
+    <mc:Fallback>
+      <p:transition spd="slow" advTm="70008"/>
     </mc:Fallback>
   </mc:AlternateContent>
 </p:sld>
@@ -7698,12 +7714,12 @@
   <p:clrMapOvr>
     <a:masterClrMapping/>
   </p:clrMapOvr>
-  <mc:AlternateContent xmlns:mc="http://schemas.openxmlformats.org/markup-compatibility/2006" xmlns:p14="http://schemas.microsoft.com/office/powerpoint/2010/main">
-    <mc:Choice Requires="p14">
-      <p:transition spd="slow" p14:dur="2000" advTm="307"/>
+  <mc:AlternateContent xmlns:mc="http://schemas.openxmlformats.org/markup-compatibility/2006">
+    <mc:Choice xmlns:p14="http://schemas.microsoft.com/office/powerpoint/2010/main" Requires="p14">
+      <p:transition spd="slow" p14:dur="2000" advTm="1018"/>
     </mc:Choice>
-    <mc:Fallback xmlns="">
-      <p:transition spd="slow" advTm="307"/>
+    <mc:Fallback>
+      <p:transition spd="slow" advTm="1018"/>
     </mc:Fallback>
   </mc:AlternateContent>
 </p:sld>
